--- a/ORM_mit_SQLAlchemy.pptx
+++ b/ORM_mit_SQLAlchemy.pptx
@@ -214,7 +214,8 @@
           <a:p>
             <a:fld id="{084FE515-1DF7-444F-97D1-3E28DAD9E180}" type="datetimeFigureOut">
               <a:rPr lang="de-DE" smtClean="0"/>
-              <a:t>17.12.2010</a:t>
+              <a:pPr/>
+              <a:t>18.12.2010</a:t>
             </a:fld>
             <a:endParaRPr lang="de-DE"/>
           </a:p>
@@ -375,6 +376,7 @@
           <a:p>
             <a:fld id="{B4FD90AD-010C-4C61-B8C9-D920A3B3C4C0}" type="slidenum">
               <a:rPr lang="de-DE" smtClean="0"/>
+              <a:pPr/>
               <a:t>‹Nr.›</a:t>
             </a:fld>
             <a:endParaRPr lang="de-DE"/>
@@ -546,6 +548,7 @@
           <a:p>
             <a:fld id="{B4FD90AD-010C-4C61-B8C9-D920A3B3C4C0}" type="slidenum">
               <a:rPr lang="de-DE" smtClean="0"/>
+              <a:pPr/>
               <a:t>7</a:t>
             </a:fld>
             <a:endParaRPr lang="de-DE"/>
@@ -733,7 +736,8 @@
           <a:p>
             <a:fld id="{F63518D0-3E39-4DF7-8013-161B07BCF524}" type="datetime1">
               <a:rPr lang="de-DE" smtClean="0"/>
-              <a:t>17.12.2010</a:t>
+              <a:pPr/>
+              <a:t>18.12.2010</a:t>
             </a:fld>
             <a:endParaRPr lang="de-DE"/>
           </a:p>
@@ -903,7 +907,8 @@
           <a:p>
             <a:fld id="{4A3CCDC6-494E-4D9B-9E64-F2B9E324D0AC}" type="datetime1">
               <a:rPr lang="de-DE" smtClean="0"/>
-              <a:t>17.12.2010</a:t>
+              <a:pPr/>
+              <a:t>18.12.2010</a:t>
             </a:fld>
             <a:endParaRPr lang="de-DE"/>
           </a:p>
@@ -1083,7 +1088,8 @@
           <a:p>
             <a:fld id="{66BFDD62-88B2-455A-8919-8309613B2386}" type="datetime1">
               <a:rPr lang="de-DE" smtClean="0"/>
-              <a:t>17.12.2010</a:t>
+              <a:pPr/>
+              <a:t>18.12.2010</a:t>
             </a:fld>
             <a:endParaRPr lang="de-DE"/>
           </a:p>
@@ -1263,7 +1269,8 @@
           <a:p>
             <a:fld id="{596C655F-CE45-4F9E-A902-2FC741C2781C}" type="datetime1">
               <a:rPr lang="de-DE" smtClean="0"/>
-              <a:t>17.12.2010</a:t>
+              <a:pPr/>
+              <a:t>18.12.2010</a:t>
             </a:fld>
             <a:endParaRPr lang="de-DE" dirty="0"/>
           </a:p>
@@ -1510,7 +1517,8 @@
           <a:p>
             <a:fld id="{9F346F88-F022-4A3D-AB17-532C66F4BB56}" type="datetime1">
               <a:rPr lang="de-DE" smtClean="0"/>
-              <a:t>17.12.2010</a:t>
+              <a:pPr/>
+              <a:t>18.12.2010</a:t>
             </a:fld>
             <a:endParaRPr lang="de-DE"/>
           </a:p>
@@ -1779,7 +1787,8 @@
           <a:p>
             <a:fld id="{91325A90-A30B-4039-A11B-CDCD818FE976}" type="datetime1">
               <a:rPr lang="de-DE" smtClean="0"/>
-              <a:t>17.12.2010</a:t>
+              <a:pPr/>
+              <a:t>18.12.2010</a:t>
             </a:fld>
             <a:endParaRPr lang="de-DE"/>
           </a:p>
@@ -2162,7 +2171,8 @@
           <a:p>
             <a:fld id="{54C12ED7-82F5-415E-BF58-36183EDF6099}" type="datetime1">
               <a:rPr lang="de-DE" smtClean="0"/>
-              <a:t>17.12.2010</a:t>
+              <a:pPr/>
+              <a:t>18.12.2010</a:t>
             </a:fld>
             <a:endParaRPr lang="de-DE"/>
           </a:p>
@@ -2317,7 +2327,8 @@
           <a:p>
             <a:fld id="{9590E590-C922-4380-812E-EFD97EE1E024}" type="datetime1">
               <a:rPr lang="de-DE" smtClean="0"/>
-              <a:t>17.12.2010</a:t>
+              <a:pPr/>
+              <a:t>18.12.2010</a:t>
             </a:fld>
             <a:endParaRPr lang="de-DE"/>
           </a:p>
@@ -2412,7 +2423,8 @@
           <a:p>
             <a:fld id="{34626F10-119F-4CD6-8863-71E9AD82C64C}" type="datetime1">
               <a:rPr lang="de-DE" smtClean="0"/>
-              <a:t>17.12.2010</a:t>
+              <a:pPr/>
+              <a:t>18.12.2010</a:t>
             </a:fld>
             <a:endParaRPr lang="de-DE"/>
           </a:p>
@@ -2678,7 +2690,8 @@
           <a:p>
             <a:fld id="{50D59C83-D44E-492D-A496-E320B51530B0}" type="datetime1">
               <a:rPr lang="de-DE" smtClean="0"/>
-              <a:t>17.12.2010</a:t>
+              <a:pPr/>
+              <a:t>18.12.2010</a:t>
             </a:fld>
             <a:endParaRPr lang="de-DE"/>
           </a:p>
@@ -2971,7 +2984,8 @@
           <a:p>
             <a:fld id="{5EF723A7-7BEF-4729-847C-BB76467CC319}" type="datetime1">
               <a:rPr lang="de-DE" smtClean="0"/>
-              <a:t>17.12.2010</a:t>
+              <a:pPr/>
+              <a:t>18.12.2010</a:t>
             </a:fld>
             <a:endParaRPr lang="de-DE"/>
           </a:p>
@@ -3747,7 +3761,8 @@
           <a:p>
             <a:fld id="{B9BE99E6-7269-430A-8A1A-9B5025B14F9F}" type="datetime1">
               <a:rPr lang="de-DE" smtClean="0"/>
-              <a:t>17.12.2010</a:t>
+              <a:pPr/>
+              <a:t>18.12.2010</a:t>
             </a:fld>
             <a:endParaRPr lang="de-DE"/>
           </a:p>
@@ -4839,7 +4854,8 @@
           <a:p>
             <a:fld id="{80C1111A-519C-4F19-9943-07CE3154E04F}" type="datetime1">
               <a:rPr lang="de-DE" smtClean="0"/>
-              <a:t>17.12.2010</a:t>
+              <a:pPr/>
+              <a:t>18.12.2010</a:t>
             </a:fld>
             <a:endParaRPr lang="de-DE" dirty="0"/>
           </a:p>
@@ -5243,7 +5259,8 @@
           <a:p>
             <a:fld id="{0407F5BB-A463-4C70-ADF9-271B6E31D8AC}" type="datetime1">
               <a:rPr lang="de-DE" smtClean="0"/>
-              <a:t>17.12.2010</a:t>
+              <a:pPr/>
+              <a:t>18.12.2010</a:t>
             </a:fld>
             <a:endParaRPr lang="de-DE" dirty="0"/>
           </a:p>
@@ -5590,14 +5607,7 @@
                 <a:latin typeface="Consolas" pitchFamily="49" charset="0"/>
                 <a:cs typeface="Consolas" pitchFamily="49" charset="0"/>
               </a:rPr>
-              <a:t> </a:t>
-            </a:r>
-            <a:r>
-              <a:rPr lang="de-DE" sz="1800" dirty="0" smtClean="0">
-                <a:latin typeface="Consolas" pitchFamily="49" charset="0"/>
-                <a:cs typeface="Consolas" pitchFamily="49" charset="0"/>
-              </a:rPr>
-              <a:t>= </a:t>
+              <a:t> = </a:t>
             </a:r>
             <a:r>
               <a:rPr lang="de-DE" sz="1800" dirty="0" err="1" smtClean="0">
@@ -5962,7 +5972,8 @@
           <a:p>
             <a:fld id="{70E8A6C9-5B95-41B2-9772-8CAA7BA43872}" type="datetime1">
               <a:rPr lang="de-DE" smtClean="0"/>
-              <a:t>17.12.2010</a:t>
+              <a:pPr/>
+              <a:t>18.12.2010</a:t>
             </a:fld>
             <a:endParaRPr lang="de-DE" dirty="0"/>
           </a:p>
@@ -6214,14 +6225,7 @@
                 <a:latin typeface="Consolas" pitchFamily="49" charset="0"/>
                 <a:cs typeface="Consolas" pitchFamily="49" charset="0"/>
               </a:rPr>
-              <a:t> </a:t>
-            </a:r>
-            <a:r>
-              <a:rPr lang="de-DE" sz="1800" dirty="0" smtClean="0">
-                <a:latin typeface="Consolas" pitchFamily="49" charset="0"/>
-                <a:cs typeface="Consolas" pitchFamily="49" charset="0"/>
-              </a:rPr>
-              <a:t>= </a:t>
+              <a:t> = </a:t>
             </a:r>
             <a:r>
               <a:rPr lang="de-DE" sz="1800" dirty="0" err="1" smtClean="0">
@@ -6600,14 +6604,7 @@
                 <a:latin typeface="Consolas" pitchFamily="49" charset="0"/>
                 <a:cs typeface="Consolas" pitchFamily="49" charset="0"/>
               </a:rPr>
-              <a:t> </a:t>
-            </a:r>
-            <a:r>
-              <a:rPr lang="de-DE" sz="1800" dirty="0" smtClean="0">
-                <a:latin typeface="Consolas" pitchFamily="49" charset="0"/>
-                <a:cs typeface="Consolas" pitchFamily="49" charset="0"/>
-              </a:rPr>
-              <a:t>= </a:t>
+              <a:t> = </a:t>
             </a:r>
             <a:r>
               <a:rPr lang="de-DE" sz="1800" dirty="0" err="1" smtClean="0">
@@ -6881,7 +6878,8 @@
           <a:p>
             <a:fld id="{BC79555B-30D2-40B7-8536-E23C533F7713}" type="datetime1">
               <a:rPr lang="de-DE" smtClean="0"/>
-              <a:t>17.12.2010</a:t>
+              <a:pPr/>
+              <a:t>18.12.2010</a:t>
             </a:fld>
             <a:endParaRPr lang="de-DE" dirty="0"/>
           </a:p>
@@ -7071,7 +7069,8 @@
           <a:p>
             <a:fld id="{81D8E4F2-4A98-4465-B384-256DD307945C}" type="datetime1">
               <a:rPr lang="de-DE" smtClean="0"/>
-              <a:t>17.12.2010</a:t>
+              <a:pPr/>
+              <a:t>18.12.2010</a:t>
             </a:fld>
             <a:endParaRPr lang="de-DE" dirty="0"/>
           </a:p>
@@ -7236,15 +7235,15 @@
             </a:r>
             <a:r>
               <a:rPr lang="de-DE" dirty="0" smtClean="0"/>
-              <a:t>, Password, Datenbankname</a:t>
+              <a:t>, </a:t>
             </a:r>
             <a:r>
               <a:rPr lang="de-DE" dirty="0" smtClean="0"/>
-              <a:t> </a:t>
+              <a:t>Passwort, </a:t>
             </a:r>
             <a:r>
               <a:rPr lang="de-DE" dirty="0" smtClean="0"/>
-              <a:t>usw. werden als Parameter an </a:t>
+              <a:t>Datenbankname usw. werden als Parameter an </a:t>
             </a:r>
             <a:r>
               <a:rPr lang="de-DE" i="1" dirty="0" err="1" smtClean="0"/>
@@ -7279,7 +7278,8 @@
           <a:p>
             <a:fld id="{596C655F-CE45-4F9E-A902-2FC741C2781C}" type="datetime1">
               <a:rPr lang="de-DE" smtClean="0"/>
-              <a:t>17.12.2010</a:t>
+              <a:pPr/>
+              <a:t>18.12.2010</a:t>
             </a:fld>
             <a:endParaRPr lang="de-DE" dirty="0"/>
           </a:p>
@@ -7440,15 +7440,7 @@
           <a:p>
             <a:r>
               <a:rPr lang="de-DE" dirty="0" smtClean="0"/>
-              <a:t>Bei der deklarativen </a:t>
-            </a:r>
-            <a:r>
-              <a:rPr lang="de-DE" dirty="0" smtClean="0"/>
-              <a:t>Definition </a:t>
-            </a:r>
-            <a:r>
-              <a:rPr lang="de-DE" dirty="0" smtClean="0"/>
-              <a:t>wird in der durch </a:t>
+              <a:t>Bei der deklarativen Definition wird in der durch </a:t>
             </a:r>
             <a:r>
               <a:rPr lang="de-DE" i="1" dirty="0" err="1" smtClean="0"/>
@@ -7530,7 +7522,8 @@
           <a:p>
             <a:fld id="{596C655F-CE45-4F9E-A902-2FC741C2781C}" type="datetime1">
               <a:rPr lang="de-DE" smtClean="0"/>
-              <a:t>17.12.2010</a:t>
+              <a:pPr/>
+              <a:t>18.12.2010</a:t>
             </a:fld>
             <a:endParaRPr lang="de-DE" dirty="0"/>
           </a:p>
@@ -7661,11 +7654,7 @@
             </a:r>
             <a:r>
               <a:rPr lang="de-DE" i="1" dirty="0" smtClean="0"/>
-              <a:t>S</a:t>
-            </a:r>
-            <a:r>
-              <a:rPr lang="de-DE" i="1" dirty="0" smtClean="0"/>
-              <a:t>ession</a:t>
+              <a:t>Session</a:t>
             </a:r>
             <a:r>
               <a:rPr lang="de-DE" dirty="0" smtClean="0"/>
@@ -7716,7 +7705,6 @@
               <a:rPr lang="de-DE" dirty="0" smtClean="0"/>
               <a:t>Beispiel:</a:t>
             </a:r>
-            <a:endParaRPr lang="de-DE" dirty="0" smtClean="0"/>
           </a:p>
           <a:p>
             <a:pPr lvl="1">
@@ -7856,6 +7844,32 @@
                 <a:cs typeface="Consolas" pitchFamily="49" charset="0"/>
               </a:rPr>
               <a:t>)</a:t>
+            </a:r>
+          </a:p>
+          <a:p>
+            <a:pPr lvl="1">
+              <a:buNone/>
+            </a:pPr>
+            <a:r>
+              <a:rPr lang="de-DE" sz="1800" dirty="0" err="1" smtClean="0">
+                <a:latin typeface="Consolas" pitchFamily="49" charset="0"/>
+                <a:cs typeface="Consolas" pitchFamily="49" charset="0"/>
+              </a:rPr>
+              <a:t>book.author</a:t>
+            </a:r>
+            <a:r>
+              <a:rPr lang="de-DE" sz="1800" dirty="0" smtClean="0">
+                <a:latin typeface="Consolas" pitchFamily="49" charset="0"/>
+                <a:cs typeface="Consolas" pitchFamily="49" charset="0"/>
+              </a:rPr>
+              <a:t> = </a:t>
+            </a:r>
+            <a:r>
+              <a:rPr lang="de-DE" sz="1800" dirty="0" err="1" smtClean="0">
+                <a:latin typeface="Consolas" pitchFamily="49" charset="0"/>
+                <a:cs typeface="Consolas" pitchFamily="49" charset="0"/>
+              </a:rPr>
+              <a:t>rick</a:t>
             </a:r>
             <a:endParaRPr lang="de-DE" sz="1800" dirty="0" smtClean="0">
               <a:latin typeface="Consolas" pitchFamily="49" charset="0"/>
@@ -7867,73 +7881,36 @@
               <a:buNone/>
             </a:pPr>
             <a:r>
+              <a:rPr lang="de-DE" sz="1800" dirty="0" smtClean="0">
+                <a:latin typeface="Consolas" pitchFamily="49" charset="0"/>
+                <a:cs typeface="Consolas" pitchFamily="49" charset="0"/>
+              </a:rPr>
+              <a:t>session.add(</a:t>
+            </a:r>
+            <a:r>
               <a:rPr lang="de-DE" sz="1800" dirty="0" err="1" smtClean="0">
                 <a:latin typeface="Consolas" pitchFamily="49" charset="0"/>
                 <a:cs typeface="Consolas" pitchFamily="49" charset="0"/>
               </a:rPr>
-              <a:t>book.author</a:t>
-            </a:r>
-            <a:r>
-              <a:rPr lang="de-DE" sz="1800" dirty="0" smtClean="0">
-                <a:latin typeface="Consolas" pitchFamily="49" charset="0"/>
-                <a:cs typeface="Consolas" pitchFamily="49" charset="0"/>
-              </a:rPr>
-              <a:t> </a:t>
-            </a:r>
-            <a:r>
-              <a:rPr lang="de-DE" sz="1800" dirty="0" smtClean="0">
-                <a:latin typeface="Consolas" pitchFamily="49" charset="0"/>
-                <a:cs typeface="Consolas" pitchFamily="49" charset="0"/>
-              </a:rPr>
-              <a:t>= </a:t>
-            </a:r>
-            <a:r>
-              <a:rPr lang="de-DE" sz="1800" dirty="0" err="1" smtClean="0">
-                <a:latin typeface="Consolas" pitchFamily="49" charset="0"/>
-                <a:cs typeface="Consolas" pitchFamily="49" charset="0"/>
-              </a:rPr>
-              <a:t>rick</a:t>
-            </a:r>
-            <a:endParaRPr lang="de-DE" sz="1800" dirty="0" smtClean="0">
-              <a:latin typeface="Consolas" pitchFamily="49" charset="0"/>
-              <a:cs typeface="Consolas" pitchFamily="49" charset="0"/>
-            </a:endParaRPr>
+              <a:t>book</a:t>
+            </a:r>
+            <a:r>
+              <a:rPr lang="de-DE" sz="1800" dirty="0" smtClean="0">
+                <a:latin typeface="Consolas" pitchFamily="49" charset="0"/>
+                <a:cs typeface="Consolas" pitchFamily="49" charset="0"/>
+              </a:rPr>
+              <a:t>)</a:t>
+            </a:r>
           </a:p>
           <a:p>
             <a:pPr lvl="1">
               <a:buNone/>
             </a:pPr>
             <a:r>
-              <a:rPr lang="de-DE" sz="1800" dirty="0" smtClean="0">
-                <a:latin typeface="Consolas" pitchFamily="49" charset="0"/>
-                <a:cs typeface="Consolas" pitchFamily="49" charset="0"/>
-              </a:rPr>
-              <a:t>session.add(</a:t>
-            </a:r>
-            <a:r>
               <a:rPr lang="de-DE" sz="1800" dirty="0" err="1" smtClean="0">
                 <a:latin typeface="Consolas" pitchFamily="49" charset="0"/>
                 <a:cs typeface="Consolas" pitchFamily="49" charset="0"/>
               </a:rPr>
-              <a:t>book</a:t>
-            </a:r>
-            <a:r>
-              <a:rPr lang="de-DE" sz="1800" dirty="0" smtClean="0">
-                <a:latin typeface="Consolas" pitchFamily="49" charset="0"/>
-                <a:cs typeface="Consolas" pitchFamily="49" charset="0"/>
-              </a:rPr>
-              <a:t>)</a:t>
-            </a:r>
-          </a:p>
-          <a:p>
-            <a:pPr lvl="1">
-              <a:buNone/>
-            </a:pPr>
-            <a:r>
-              <a:rPr lang="de-DE" sz="1800" dirty="0" err="1" smtClean="0">
-                <a:latin typeface="Consolas" pitchFamily="49" charset="0"/>
-                <a:cs typeface="Consolas" pitchFamily="49" charset="0"/>
-              </a:rPr>
               <a:t>session.commit</a:t>
             </a:r>
             <a:r>
@@ -7943,10 +7920,6 @@
               </a:rPr>
               <a:t>()</a:t>
             </a:r>
-            <a:endParaRPr lang="de-DE" sz="1800" dirty="0" smtClean="0">
-              <a:latin typeface="Consolas" pitchFamily="49" charset="0"/>
-              <a:cs typeface="Consolas" pitchFamily="49" charset="0"/>
-            </a:endParaRPr>
           </a:p>
         </p:txBody>
       </p:sp>
@@ -7967,7 +7940,8 @@
           <a:p>
             <a:fld id="{FDE192B8-7CCA-485F-B5D7-07148FF5EF2B}" type="datetime1">
               <a:rPr lang="de-DE" smtClean="0"/>
-              <a:t>17.12.2010</a:t>
+              <a:pPr/>
+              <a:t>18.12.2010</a:t>
             </a:fld>
             <a:endParaRPr lang="de-DE" dirty="0"/>
           </a:p>
@@ -8474,7 +8448,8 @@
           <a:p>
             <a:fld id="{B56AEAC4-D50B-4530-B92B-AD1E82F56030}" type="datetime1">
               <a:rPr lang="de-DE" smtClean="0"/>
-              <a:t>17.12.2010</a:t>
+              <a:pPr/>
+              <a:t>18.12.2010</a:t>
             </a:fld>
             <a:endParaRPr lang="de-DE" dirty="0"/>
           </a:p>
@@ -8845,7 +8820,8 @@
           <a:p>
             <a:fld id="{4F27E0EA-0085-4911-85B7-69E761B4A606}" type="datetime1">
               <a:rPr lang="de-DE" smtClean="0"/>
-              <a:t>17.12.2010</a:t>
+              <a:pPr/>
+              <a:t>18.12.2010</a:t>
             </a:fld>
             <a:endParaRPr lang="de-DE" dirty="0"/>
           </a:p>
@@ -9094,7 +9070,8 @@
           <a:p>
             <a:fld id="{596C655F-CE45-4F9E-A902-2FC741C2781C}" type="datetime1">
               <a:rPr lang="de-DE" smtClean="0"/>
-              <a:t>17.12.2010</a:t>
+              <a:pPr/>
+              <a:t>18.12.2010</a:t>
             </a:fld>
             <a:endParaRPr lang="de-DE" dirty="0"/>
           </a:p>
@@ -9307,7 +9284,8 @@
           <a:p>
             <a:fld id="{596C655F-CE45-4F9E-A902-2FC741C2781C}" type="datetime1">
               <a:rPr lang="de-DE" smtClean="0"/>
-              <a:t>17.12.2010</a:t>
+              <a:pPr/>
+              <a:t>18.12.2010</a:t>
             </a:fld>
             <a:endParaRPr lang="de-DE" dirty="0"/>
           </a:p>
@@ -9409,11 +9387,7 @@
           <a:p>
             <a:r>
               <a:rPr lang="de-DE" dirty="0" smtClean="0"/>
-              <a:t>Deklarationsfreier </a:t>
-            </a:r>
-            <a:r>
-              <a:rPr lang="de-DE" dirty="0" smtClean="0"/>
-              <a:t>Datenbankzugriff</a:t>
+              <a:t>Deklarationsfreier Datenbankzugriff</a:t>
             </a:r>
             <a:endParaRPr lang="de-DE" dirty="0"/>
           </a:p>
@@ -9695,14 +9669,21 @@
                 <a:latin typeface="Consolas" pitchFamily="49" charset="0"/>
                 <a:cs typeface="Consolas" pitchFamily="49" charset="0"/>
               </a:rPr>
-              <a:t>q.filter_by</a:t>
+              <a:t>q.filter</a:t>
             </a:r>
             <a:r>
               <a:rPr lang="de-DE" sz="1600" dirty="0" smtClean="0">
                 <a:latin typeface="Consolas" pitchFamily="49" charset="0"/>
                 <a:cs typeface="Consolas" pitchFamily="49" charset="0"/>
               </a:rPr>
-              <a:t>(db.authors.name == </a:t>
+              <a:t>(db.authors.name </a:t>
+            </a:r>
+            <a:r>
+              <a:rPr lang="de-DE" sz="1600" dirty="0" smtClean="0">
+                <a:latin typeface="Consolas" pitchFamily="49" charset="0"/>
+                <a:cs typeface="Consolas" pitchFamily="49" charset="0"/>
+              </a:rPr>
+              <a:t>== </a:t>
             </a:r>
             <a:r>
               <a:rPr lang="de-DE" sz="1600" dirty="0" smtClean="0">
@@ -9742,14 +9723,7 @@
                 <a:latin typeface="Consolas" pitchFamily="49" charset="0"/>
                 <a:cs typeface="Consolas" pitchFamily="49" charset="0"/>
               </a:rPr>
-              <a:t> = q.one</a:t>
-            </a:r>
-            <a:r>
-              <a:rPr lang="de-DE" sz="1600" dirty="0" smtClean="0">
-                <a:latin typeface="Consolas" pitchFamily="49" charset="0"/>
-                <a:cs typeface="Consolas" pitchFamily="49" charset="0"/>
-              </a:rPr>
-              <a:t>()</a:t>
+              <a:t> = q.one()</a:t>
             </a:r>
           </a:p>
           <a:p>
@@ -9909,7 +9883,8 @@
           <a:p>
             <a:fld id="{596C655F-CE45-4F9E-A902-2FC741C2781C}" type="datetime1">
               <a:rPr lang="de-DE" smtClean="0"/>
-              <a:t>17.12.2010</a:t>
+              <a:pPr/>
+              <a:t>18.12.2010</a:t>
             </a:fld>
             <a:endParaRPr lang="de-DE" dirty="0"/>
           </a:p>
@@ -10072,11 +10047,7 @@
             </a:r>
             <a:r>
               <a:rPr lang="de-DE" dirty="0" smtClean="0"/>
-              <a:t> auf http</a:t>
-            </a:r>
-            <a:r>
-              <a:rPr lang="de-DE" dirty="0" smtClean="0"/>
-              <a:t>://www.sqlalchemy.org/</a:t>
+              <a:t> auf http://www.sqlalchemy.org/</a:t>
             </a:r>
             <a:endParaRPr lang="de-DE" dirty="0"/>
           </a:p>
@@ -10099,7 +10070,8 @@
           <a:p>
             <a:fld id="{596C655F-CE45-4F9E-A902-2FC741C2781C}" type="datetime1">
               <a:rPr lang="de-DE" smtClean="0"/>
-              <a:t>17.12.2010</a:t>
+              <a:pPr/>
+              <a:t>18.12.2010</a:t>
             </a:fld>
             <a:endParaRPr lang="de-DE" dirty="0"/>
           </a:p>
@@ -10209,25 +10181,6 @@
       </p:sp>
       <p:sp>
         <p:nvSpPr>
-          <p:cNvPr id="3" name="Inhaltsplatzhalter 2"/>
-          <p:cNvSpPr>
-            <a:spLocks noGrp="1"/>
-          </p:cNvSpPr>
-          <p:nvPr>
-            <p:ph idx="1"/>
-          </p:nvPr>
-        </p:nvSpPr>
-        <p:spPr/>
-        <p:txBody>
-          <a:bodyPr/>
-          <a:lstStyle/>
-          <a:p>
-            <a:endParaRPr lang="de-DE"/>
-          </a:p>
-        </p:txBody>
-      </p:sp>
-      <p:sp>
-        <p:nvSpPr>
           <p:cNvPr id="4" name="Datumsplatzhalter 3"/>
           <p:cNvSpPr>
             <a:spLocks noGrp="1"/>
@@ -10243,7 +10196,8 @@
           <a:p>
             <a:fld id="{596C655F-CE45-4F9E-A902-2FC741C2781C}" type="datetime1">
               <a:rPr lang="de-DE" smtClean="0"/>
-              <a:t>17.12.2010</a:t>
+              <a:pPr/>
+              <a:t>18.12.2010</a:t>
             </a:fld>
             <a:endParaRPr lang="de-DE" dirty="0"/>
           </a:p>
@@ -10296,6 +10250,36 @@
           </a:p>
         </p:txBody>
       </p:sp>
+      <p:pic>
+        <p:nvPicPr>
+          <p:cNvPr id="11" name="Inhaltsplatzhalter 10" descr="questions.jpg"/>
+          <p:cNvPicPr>
+            <a:picLocks noGrp="1" noChangeAspect="1"/>
+          </p:cNvPicPr>
+          <p:nvPr>
+            <p:ph idx="1"/>
+          </p:nvPr>
+        </p:nvPicPr>
+        <p:blipFill>
+          <a:blip r:embed="rId2" cstate="print"/>
+          <a:stretch>
+            <a:fillRect/>
+          </a:stretch>
+        </p:blipFill>
+        <p:spPr>
+          <a:xfrm>
+            <a:off x="2258672" y="2060848"/>
+            <a:ext cx="4761600" cy="3571200"/>
+          </a:xfrm>
+          <a:prstGeom prst="rect">
+            <a:avLst/>
+          </a:prstGeom>
+          <a:noFill/>
+          <a:ln>
+            <a:noFill/>
+          </a:ln>
+        </p:spPr>
+      </p:pic>
     </p:spTree>
   </p:cSld>
   <p:clrMapOvr>
@@ -10439,7 +10423,8 @@
           <a:p>
             <a:fld id="{87EDB259-B632-4AC7-B6F3-16958433B823}" type="datetime1">
               <a:rPr lang="de-DE" smtClean="0"/>
-              <a:t>17.12.2010</a:t>
+              <a:pPr/>
+              <a:t>18.12.2010</a:t>
             </a:fld>
             <a:endParaRPr lang="de-DE" dirty="0"/>
           </a:p>
@@ -10605,7 +10590,8 @@
           <a:p>
             <a:fld id="{864D7492-F902-4792-826E-AF56E47500B9}" type="datetime1">
               <a:rPr lang="de-DE" smtClean="0"/>
-              <a:t>17.12.2010</a:t>
+              <a:pPr/>
+              <a:t>18.12.2010</a:t>
             </a:fld>
             <a:endParaRPr lang="de-DE" dirty="0"/>
           </a:p>
@@ -10800,7 +10786,8 @@
           <a:p>
             <a:fld id="{2F1CBA0C-DE3B-4CD0-8EFE-C6F2DA7F60BE}" type="datetime1">
               <a:rPr lang="de-DE" smtClean="0"/>
-              <a:t>17.12.2010</a:t>
+              <a:pPr/>
+              <a:t>18.12.2010</a:t>
             </a:fld>
             <a:endParaRPr lang="de-DE" dirty="0"/>
           </a:p>
@@ -10938,11 +10925,7 @@
             </a:r>
             <a:r>
               <a:rPr lang="en-US" dirty="0" smtClean="0"/>
-              <a:t>The Python SQL Toolkit and </a:t>
-            </a:r>
-            <a:r>
-              <a:rPr lang="en-US" dirty="0" smtClean="0"/>
-              <a:t>Object Relational </a:t>
+              <a:t>The Python SQL Toolkit and Object Relational </a:t>
             </a:r>
             <a:r>
               <a:rPr lang="en-US" dirty="0" err="1" smtClean="0"/>
@@ -10964,11 +10947,7 @@
             </a:r>
             <a:r>
               <a:rPr lang="en-US" dirty="0" smtClean="0"/>
-              <a:t> is not just an </a:t>
-            </a:r>
-            <a:r>
-              <a:rPr lang="en-US" dirty="0" smtClean="0"/>
-              <a:t>ORM</a:t>
+              <a:t> is not just an ORM</a:t>
             </a:r>
             <a:r>
               <a:rPr lang="de-DE" dirty="0" smtClean="0"/>
@@ -11022,7 +11001,8 @@
           <a:p>
             <a:fld id="{F6676946-5548-4D6E-8D52-509702EA9408}" type="datetime1">
               <a:rPr lang="de-DE" smtClean="0"/>
-              <a:t>17.12.2010</a:t>
+              <a:pPr/>
+              <a:t>18.12.2010</a:t>
             </a:fld>
             <a:endParaRPr lang="de-DE" dirty="0"/>
           </a:p>
@@ -11176,7 +11156,8 @@
           <a:p>
             <a:fld id="{A699CC75-5F36-4422-B3C8-746EEC565012}" type="datetime1">
               <a:rPr lang="de-DE" smtClean="0"/>
-              <a:t>17.12.2010</a:t>
+              <a:pPr/>
+              <a:t>18.12.2010</a:t>
             </a:fld>
             <a:endParaRPr lang="de-DE" dirty="0"/>
           </a:p>
@@ -11339,7 +11320,8 @@
           <a:p>
             <a:fld id="{F5306CEE-2D75-40C4-9FB2-726259AC89F5}" type="datetime1">
               <a:rPr lang="de-DE" smtClean="0"/>
-              <a:t>17.12.2010</a:t>
+              <a:pPr/>
+              <a:t>18.12.2010</a:t>
             </a:fld>
             <a:endParaRPr lang="de-DE" dirty="0"/>
           </a:p>
@@ -11530,15 +11512,7 @@
                 <a:ea typeface="Fixedsys Excelsior 3.01" pitchFamily="34" charset="-120"/>
                 <a:cs typeface="Consolas" pitchFamily="49" charset="0"/>
               </a:rPr>
-              <a:t> </a:t>
-            </a:r>
-            <a:r>
-              <a:rPr lang="de-DE" sz="1800" dirty="0" smtClean="0">
-                <a:latin typeface="Consolas" pitchFamily="49" charset="0"/>
-                <a:ea typeface="Fixedsys Excelsior 3.01" pitchFamily="34" charset="-120"/>
-                <a:cs typeface="Consolas" pitchFamily="49" charset="0"/>
-              </a:rPr>
-              <a:t>= </a:t>
+              <a:t> = </a:t>
             </a:r>
             <a:r>
               <a:rPr lang="de-DE" sz="1800" dirty="0" smtClean="0">
@@ -12535,7 +12509,8 @@
           <a:p>
             <a:fld id="{143B60BB-22E6-4071-A98C-3EDDBE8605E1}" type="datetime1">
               <a:rPr lang="de-DE" smtClean="0"/>
-              <a:t>17.12.2010</a:t>
+              <a:pPr/>
+              <a:t>18.12.2010</a:t>
             </a:fld>
             <a:endParaRPr lang="de-DE" dirty="0"/>
           </a:p>
